--- a/AzureServerless.pptx
+++ b/AzureServerless.pptx
@@ -13984,18 +13984,20 @@
         </p:nvSpPr>
         <p:spPr/>
         <p:txBody>
-          <a:bodyPr/>
+          <a:bodyPr>
+            <a:normAutofit lnSpcReduction="10000"/>
+          </a:bodyPr>
           <a:lstStyle/>
           <a:p>
             <a:r>
               <a:rPr lang="en-US" dirty="0"/>
-              <a:t>Repo for this talk: </a:t>
+              <a:t>Repo for this talk: https://github.com/dougvdotcom/fwdnug-serverless</a:t>
             </a:r>
           </a:p>
           <a:p>
             <a:r>
               <a:rPr lang="en-US" dirty="0"/>
-              <a:t>This deck on SlideShare:</a:t>
+              <a:t>This deck on SlideShare: https://www.slideshare.net/DougVanderweide/serverless-the-future-of-application-delivery</a:t>
             </a:r>
           </a:p>
           <a:p>
